--- a/resources/17623-recitation2.pptx
+++ b/resources/17623-recitation2.pptx
@@ -5,10 +5,10 @@
     <p:sldMasterId id="2147483810" r:id="rId1"/>
   </p:sldMasterIdLst>
   <p:notesMasterIdLst>
-    <p:notesMasterId r:id="rId20"/>
+    <p:notesMasterId r:id="rId18"/>
   </p:notesMasterIdLst>
   <p:handoutMasterIdLst>
-    <p:handoutMasterId r:id="rId21"/>
+    <p:handoutMasterId r:id="rId19"/>
   </p:handoutMasterIdLst>
   <p:sldIdLst>
     <p:sldId id="260" r:id="rId2"/>
@@ -23,12 +23,10 @@
     <p:sldId id="269" r:id="rId11"/>
     <p:sldId id="270" r:id="rId12"/>
     <p:sldId id="271" r:id="rId13"/>
-    <p:sldId id="272" r:id="rId14"/>
-    <p:sldId id="273" r:id="rId15"/>
-    <p:sldId id="274" r:id="rId16"/>
-    <p:sldId id="275" r:id="rId17"/>
-    <p:sldId id="276" r:id="rId18"/>
-    <p:sldId id="277" r:id="rId19"/>
+    <p:sldId id="274" r:id="rId14"/>
+    <p:sldId id="275" r:id="rId15"/>
+    <p:sldId id="276" r:id="rId16"/>
+    <p:sldId id="277" r:id="rId17"/>
   </p:sldIdLst>
   <p:sldSz cx="9144000" cy="5143500" type="screen16x9"/>
   <p:notesSz cx="6858000" cy="9144000"/>
@@ -274,7 +272,7 @@
               <a:pPr>
                 <a:defRPr/>
               </a:pPr>
-              <a:t>10/31/23</a:t>
+              <a:t>11/3/23</a:t>
             </a:fld>
             <a:endParaRPr lang="en-US"/>
           </a:p>
@@ -529,7 +527,7 @@
               </a14:hiddenFill>
             </a:ext>
             <a:ext uri="{FAA26D3D-D897-4be2-8F04-BA451C77F1D7}">
-              <ma14:placeholderFlag xmlns="" xmlns:ma14="http://schemas.microsoft.com/office/mac/drawingml/2011/main" val="1"/>
+              <ma14:placeholderFlag xmlns:ma14="http://schemas.microsoft.com/office/mac/drawingml/2011/main" xmlns="" val="1"/>
             </a:ext>
           </a:extLst>
         </p:spPr>
@@ -2421,7 +2419,7 @@
               </a14:hiddenLine>
             </a:ext>
             <a:ext uri="{FAA26D3D-D897-4be2-8F04-BA451C77F1D7}">
-              <ma14:placeholderFlag xmlns="" xmlns:ma14="http://schemas.microsoft.com/office/mac/drawingml/2011/main" val="1"/>
+              <ma14:placeholderFlag xmlns:ma14="http://schemas.microsoft.com/office/mac/drawingml/2011/main" xmlns="" val="1"/>
             </a:ext>
           </a:extLst>
         </p:spPr>
@@ -2482,7 +2480,7 @@
               </a14:hiddenLine>
             </a:ext>
             <a:ext uri="{FAA26D3D-D897-4be2-8F04-BA451C77F1D7}">
-              <ma14:placeholderFlag xmlns="" xmlns:ma14="http://schemas.microsoft.com/office/mac/drawingml/2011/main" val="1"/>
+              <ma14:placeholderFlag xmlns:ma14="http://schemas.microsoft.com/office/mac/drawingml/2011/main" xmlns="" val="1"/>
             </a:ext>
           </a:extLst>
         </p:spPr>
@@ -3763,7 +3761,7 @@
           <a:lstStyle/>
           <a:p>
             <a:r>
-              <a:rPr lang="en-US" dirty="0"/>
+              <a:rPr lang="en-US" sz="3200" dirty="0"/>
               <a:t>Mock Objects</a:t>
             </a:r>
           </a:p>
@@ -3784,7 +3782,7 @@
         <p:spPr>
           <a:xfrm>
             <a:off x="457200" y="1244816"/>
-            <a:ext cx="8229600" cy="3502305"/>
+            <a:ext cx="8229600" cy="2386679"/>
           </a:xfrm>
           <a:prstGeom prst="rect">
             <a:avLst/>
@@ -3814,7 +3812,7 @@
               </a:defRPr>
             </a:pPr>
             <a:r>
-              <a:rPr lang="en-US" dirty="0">
+              <a:rPr lang="en-US" sz="2800" dirty="0">
                 <a:latin typeface="Open Sans" panose="020B0606030504020204" pitchFamily="34" charset="0"/>
                 <a:ea typeface="Open Sans" panose="020B0606030504020204" pitchFamily="34" charset="0"/>
                 <a:cs typeface="Open Sans" panose="020B0606030504020204" pitchFamily="34" charset="0"/>
@@ -3839,7 +3837,7 @@
                 </a:solidFill>
               </a:defRPr>
             </a:pPr>
-            <a:endParaRPr lang="en-US" dirty="0">
+            <a:endParaRPr lang="en-US" sz="2800" dirty="0">
               <a:latin typeface="Open Sans" panose="020B0606030504020204" pitchFamily="34" charset="0"/>
               <a:ea typeface="Open Sans" panose="020B0606030504020204" pitchFamily="34" charset="0"/>
               <a:cs typeface="Open Sans" panose="020B0606030504020204" pitchFamily="34" charset="0"/>
@@ -3863,7 +3861,7 @@
               </a:defRPr>
             </a:pPr>
             <a:r>
-              <a:rPr lang="en-US" dirty="0">
+              <a:rPr lang="en-US" sz="2800" dirty="0">
                 <a:latin typeface="Open Sans" panose="020B0606030504020204" pitchFamily="34" charset="0"/>
                 <a:ea typeface="Open Sans" panose="020B0606030504020204" pitchFamily="34" charset="0"/>
                 <a:cs typeface="Open Sans" panose="020B0606030504020204" pitchFamily="34" charset="0"/>
@@ -3888,7 +3886,7 @@
                 </a:solidFill>
               </a:defRPr>
             </a:pPr>
-            <a:endParaRPr lang="en-US" dirty="0">
+            <a:endParaRPr lang="en-US" sz="2800" dirty="0">
               <a:latin typeface="Open Sans" panose="020B0606030504020204" pitchFamily="34" charset="0"/>
               <a:ea typeface="Open Sans" panose="020B0606030504020204" pitchFamily="34" charset="0"/>
               <a:cs typeface="Open Sans" panose="020B0606030504020204" pitchFamily="34" charset="0"/>
@@ -3912,7 +3910,7 @@
               </a:defRPr>
             </a:pPr>
             <a:r>
-              <a:rPr lang="en-US" dirty="0">
+              <a:rPr lang="en-US" sz="2800" dirty="0">
                 <a:latin typeface="Open Sans" panose="020B0606030504020204" pitchFamily="34" charset="0"/>
                 <a:ea typeface="Open Sans" panose="020B0606030504020204" pitchFamily="34" charset="0"/>
                 <a:cs typeface="Open Sans" panose="020B0606030504020204" pitchFamily="34" charset="0"/>
@@ -3974,7 +3972,7 @@
           <a:lstStyle/>
           <a:p>
             <a:r>
-              <a:rPr lang="en-US" dirty="0"/>
+              <a:rPr lang="en-US" sz="3200" dirty="0"/>
               <a:t>Mock Example</a:t>
             </a:r>
           </a:p>
@@ -4002,8 +4000,8 @@
         </p:blipFill>
         <p:spPr>
           <a:xfrm>
-            <a:off x="419100" y="952500"/>
-            <a:ext cx="7048500" cy="3624534"/>
+            <a:off x="1219200" y="1581150"/>
+            <a:ext cx="5753100" cy="2958403"/>
           </a:xfrm>
           <a:prstGeom prst="rect">
             <a:avLst/>
@@ -4011,6 +4009,13 @@
           <a:ln w="12700">
             <a:miter lim="400000"/>
           </a:ln>
+          <a:effectLst>
+            <a:outerShdw blurRad="50800" dist="38100" dir="2700000" algn="tl" rotWithShape="0">
+              <a:prstClr val="black">
+                <a:alpha val="40000"/>
+              </a:prstClr>
+            </a:outerShdw>
+          </a:effectLst>
         </p:spPr>
       </p:pic>
     </p:spTree>
@@ -4065,8 +4070,8 @@
           <a:lstStyle/>
           <a:p>
             <a:r>
-              <a:rPr lang="en-US" dirty="0"/>
-              <a:t>Advantages</a:t>
+              <a:rPr lang="en-US" sz="3200" dirty="0"/>
+              <a:t>Advantages and Disadvantages</a:t>
             </a:r>
           </a:p>
         </p:txBody>
@@ -4085,8 +4090,8 @@
         </p:nvSpPr>
         <p:spPr>
           <a:xfrm>
-            <a:off x="457200" y="1244816"/>
-            <a:ext cx="8229600" cy="3623556"/>
+            <a:off x="457200" y="1017609"/>
+            <a:ext cx="8229600" cy="3687741"/>
           </a:xfrm>
           <a:prstGeom prst="rect">
             <a:avLst/>
@@ -4099,7 +4104,7 @@
           </a:bodyPr>
           <a:lstStyle/>
           <a:p>
-            <a:pPr marL="477981" indent="-477981">
+            <a:pPr>
               <a:lnSpc>
                 <a:spcPct val="80000"/>
               </a:lnSpc>
@@ -4107,8 +4112,6 @@
                 <a:spcPts val="1100"/>
               </a:spcBef>
               <a:buSzPct val="100000"/>
-              <a:buFont typeface="Arial"/>
-              <a:buChar char="•"/>
               <a:defRPr sz="4600">
                 <a:solidFill>
                   <a:srgbClr val="000000"/>
@@ -4116,16 +4119,21 @@
               </a:defRPr>
             </a:pPr>
             <a:r>
-              <a:rPr lang="en-US" sz="4000" dirty="0">
+              <a:rPr lang="en-US" sz="2000" b="1" dirty="0">
+                <a:solidFill>
+                  <a:schemeClr val="accent3">
+                    <a:lumMod val="75000"/>
+                  </a:schemeClr>
+                </a:solidFill>
                 <a:latin typeface="Open Sans" panose="020B0606030504020204" pitchFamily="34" charset="0"/>
                 <a:ea typeface="Open Sans" panose="020B0606030504020204" pitchFamily="34" charset="0"/>
                 <a:cs typeface="Open Sans" panose="020B0606030504020204" pitchFamily="34" charset="0"/>
               </a:rPr>
-              <a:t>Test object interactions</a:t>
-            </a:r>
-          </a:p>
-          <a:p>
-            <a:pPr marL="477981" indent="-477981">
+              <a:t>+  Test object interactions</a:t>
+            </a:r>
+          </a:p>
+          <a:p>
+            <a:pPr>
               <a:lnSpc>
                 <a:spcPct val="80000"/>
               </a:lnSpc>
@@ -4133,48 +4141,166 @@
                 <a:spcPts val="1100"/>
               </a:spcBef>
               <a:buSzPct val="100000"/>
-              <a:buFont typeface="Arial"/>
-              <a:buChar char="•"/>
               <a:defRPr sz="4600">
                 <a:solidFill>
                   <a:srgbClr val="000000"/>
                 </a:solidFill>
               </a:defRPr>
             </a:pPr>
-            <a:endParaRPr lang="en-US" sz="4000" dirty="0">
+            <a:r>
+              <a:rPr lang="en-US" sz="2000" b="1" dirty="0">
+                <a:solidFill>
+                  <a:schemeClr val="accent3">
+                    <a:lumMod val="75000"/>
+                  </a:schemeClr>
+                </a:solidFill>
+                <a:latin typeface="Open Sans" panose="020B0606030504020204" pitchFamily="34" charset="0"/>
+                <a:ea typeface="Open Sans" panose="020B0606030504020204" pitchFamily="34" charset="0"/>
+                <a:cs typeface="Open Sans" panose="020B0606030504020204" pitchFamily="34" charset="0"/>
+              </a:rPr>
+              <a:t>+  Encourage modular design</a:t>
+            </a:r>
+          </a:p>
+          <a:p>
+            <a:pPr>
+              <a:lnSpc>
+                <a:spcPct val="80000"/>
+              </a:lnSpc>
+              <a:spcBef>
+                <a:spcPts val="1100"/>
+              </a:spcBef>
+              <a:buSzPct val="100000"/>
+              <a:defRPr sz="4600">
+                <a:solidFill>
+                  <a:srgbClr val="000000"/>
+                </a:solidFill>
+              </a:defRPr>
+            </a:pPr>
+            <a:r>
+              <a:rPr lang="en-US" sz="2000" b="1" dirty="0">
+                <a:solidFill>
+                  <a:schemeClr val="accent3">
+                    <a:lumMod val="75000"/>
+                  </a:schemeClr>
+                </a:solidFill>
+                <a:latin typeface="Open Sans" panose="020B0606030504020204" pitchFamily="34" charset="0"/>
+                <a:ea typeface="Open Sans" panose="020B0606030504020204" pitchFamily="34" charset="0"/>
+                <a:cs typeface="Open Sans" panose="020B0606030504020204" pitchFamily="34" charset="0"/>
+              </a:rPr>
+              <a:t>+  Testing unimplemented dependencies</a:t>
+            </a:r>
+          </a:p>
+          <a:p>
+            <a:pPr>
+              <a:lnSpc>
+                <a:spcPct val="80000"/>
+              </a:lnSpc>
+              <a:spcBef>
+                <a:spcPts val="1100"/>
+              </a:spcBef>
+              <a:buSzPct val="100000"/>
+              <a:defRPr sz="4600">
+                <a:solidFill>
+                  <a:srgbClr val="000000"/>
+                </a:solidFill>
+              </a:defRPr>
+            </a:pPr>
+            <a:endParaRPr lang="en-US" sz="2000" b="1" dirty="0">
               <a:latin typeface="Open Sans" panose="020B0606030504020204" pitchFamily="34" charset="0"/>
               <a:ea typeface="Open Sans" panose="020B0606030504020204" pitchFamily="34" charset="0"/>
               <a:cs typeface="Open Sans" panose="020B0606030504020204" pitchFamily="34" charset="0"/>
             </a:endParaRPr>
           </a:p>
           <a:p>
-            <a:pPr marL="477981" indent="-477981">
-              <a:lnSpc>
-                <a:spcPct val="80000"/>
-              </a:lnSpc>
+            <a:pPr defTabSz="1261465">
               <a:spcBef>
                 <a:spcPts val="1100"/>
               </a:spcBef>
-              <a:buSzPct val="100000"/>
-              <a:buFont typeface="Arial"/>
-              <a:buChar char="•"/>
-              <a:defRPr sz="4600">
-                <a:solidFill>
-                  <a:srgbClr val="000000"/>
-                </a:solidFill>
-              </a:defRPr>
+              <a:buSzPct val="75000"/>
+              <a:defRPr sz="4850"/>
             </a:pPr>
             <a:r>
-              <a:rPr lang="en-US" sz="4000" dirty="0">
+              <a:rPr lang="en-US" sz="2000" b="1" dirty="0">
+                <a:solidFill>
+                  <a:schemeClr val="accent1">
+                    <a:lumMod val="75000"/>
+                  </a:schemeClr>
+                </a:solidFill>
                 <a:latin typeface="Open Sans" panose="020B0606030504020204" pitchFamily="34" charset="0"/>
                 <a:ea typeface="Open Sans" panose="020B0606030504020204" pitchFamily="34" charset="0"/>
                 <a:cs typeface="Open Sans" panose="020B0606030504020204" pitchFamily="34" charset="0"/>
               </a:rPr>
-              <a:t>Encourage modular design</a:t>
-            </a:r>
-          </a:p>
-          <a:p>
-            <a:pPr marL="477981" indent="-477981">
+              <a:t>-  Code complexity</a:t>
+            </a:r>
+          </a:p>
+          <a:p>
+            <a:pPr defTabSz="1261465">
+              <a:spcBef>
+                <a:spcPts val="1100"/>
+              </a:spcBef>
+              <a:buSzPct val="75000"/>
+              <a:defRPr sz="4850"/>
+            </a:pPr>
+            <a:r>
+              <a:rPr lang="en-US" sz="2000" b="1" dirty="0">
+                <a:solidFill>
+                  <a:schemeClr val="accent1">
+                    <a:lumMod val="75000"/>
+                  </a:schemeClr>
+                </a:solidFill>
+                <a:latin typeface="Open Sans" panose="020B0606030504020204" pitchFamily="34" charset="0"/>
+                <a:ea typeface="Open Sans" panose="020B0606030504020204" pitchFamily="34" charset="0"/>
+                <a:cs typeface="Open Sans" panose="020B0606030504020204" pitchFamily="34" charset="0"/>
+              </a:rPr>
+              <a:t>-  More code to maintain</a:t>
+            </a:r>
+          </a:p>
+          <a:p>
+            <a:pPr defTabSz="1261465">
+              <a:spcBef>
+                <a:spcPts val="1100"/>
+              </a:spcBef>
+              <a:buSzPct val="75000"/>
+              <a:defRPr sz="4850"/>
+            </a:pPr>
+            <a:r>
+              <a:rPr lang="en-US" sz="2000" b="1" dirty="0">
+                <a:solidFill>
+                  <a:schemeClr val="accent1">
+                    <a:lumMod val="75000"/>
+                  </a:schemeClr>
+                </a:solidFill>
+                <a:latin typeface="Open Sans" panose="020B0606030504020204" pitchFamily="34" charset="0"/>
+                <a:ea typeface="Open Sans" panose="020B0606030504020204" pitchFamily="34" charset="0"/>
+                <a:cs typeface="Open Sans" panose="020B0606030504020204" pitchFamily="34" charset="0"/>
+              </a:rPr>
+              <a:t>-  Not integration testing</a:t>
+            </a:r>
+          </a:p>
+          <a:p>
+            <a:pPr defTabSz="1261465">
+              <a:spcBef>
+                <a:spcPts val="1100"/>
+              </a:spcBef>
+              <a:buSzPct val="75000"/>
+              <a:defRPr sz="4850"/>
+            </a:pPr>
+            <a:r>
+              <a:rPr lang="en-US" sz="2000" b="1" dirty="0">
+                <a:solidFill>
+                  <a:schemeClr val="accent1">
+                    <a:lumMod val="75000"/>
+                  </a:schemeClr>
+                </a:solidFill>
+                <a:latin typeface="Open Sans" panose="020B0606030504020204" pitchFamily="34" charset="0"/>
+                <a:ea typeface="Open Sans" panose="020B0606030504020204" pitchFamily="34" charset="0"/>
+                <a:cs typeface="Open Sans" panose="020B0606030504020204" pitchFamily="34" charset="0"/>
+              </a:rPr>
+              <a:t>-  Testing behavior, not other attributes (e.g., performance) </a:t>
+            </a:r>
+          </a:p>
+          <a:p>
+            <a:pPr>
               <a:lnSpc>
                 <a:spcPct val="80000"/>
               </a:lnSpc>
@@ -4182,45 +4308,17 @@
                 <a:spcPts val="1100"/>
               </a:spcBef>
               <a:buSzPct val="100000"/>
-              <a:buFont typeface="Arial"/>
-              <a:buChar char="•"/>
               <a:defRPr sz="4600">
                 <a:solidFill>
                   <a:srgbClr val="000000"/>
                 </a:solidFill>
               </a:defRPr>
             </a:pPr>
-            <a:endParaRPr lang="en-US" sz="4000" dirty="0">
+            <a:endParaRPr lang="en-US" sz="2000" b="1" dirty="0">
               <a:latin typeface="Open Sans" panose="020B0606030504020204" pitchFamily="34" charset="0"/>
               <a:ea typeface="Open Sans" panose="020B0606030504020204" pitchFamily="34" charset="0"/>
               <a:cs typeface="Open Sans" panose="020B0606030504020204" pitchFamily="34" charset="0"/>
             </a:endParaRPr>
-          </a:p>
-          <a:p>
-            <a:pPr marL="477981" indent="-477981">
-              <a:lnSpc>
-                <a:spcPct val="80000"/>
-              </a:lnSpc>
-              <a:spcBef>
-                <a:spcPts val="1100"/>
-              </a:spcBef>
-              <a:buSzPct val="100000"/>
-              <a:buFont typeface="Arial"/>
-              <a:buChar char="•"/>
-              <a:defRPr sz="4600">
-                <a:solidFill>
-                  <a:srgbClr val="000000"/>
-                </a:solidFill>
-              </a:defRPr>
-            </a:pPr>
-            <a:r>
-              <a:rPr lang="en-US" sz="4000" dirty="0">
-                <a:latin typeface="Open Sans" panose="020B0606030504020204" pitchFamily="34" charset="0"/>
-                <a:ea typeface="Open Sans" panose="020B0606030504020204" pitchFamily="34" charset="0"/>
-                <a:cs typeface="Open Sans" panose="020B0606030504020204" pitchFamily="34" charset="0"/>
-              </a:rPr>
-              <a:t>Testing unimplemented dependencies</a:t>
-            </a:r>
           </a:p>
         </p:txBody>
       </p:sp>
@@ -4276,8 +4374,8 @@
           <a:lstStyle/>
           <a:p>
             <a:r>
-              <a:rPr lang="en-US" dirty="0"/>
-              <a:t>Disadvantages</a:t>
+              <a:rPr lang="en-US" sz="3200" dirty="0"/>
+              <a:t>Mocking Java Frameworks</a:t>
             </a:r>
           </a:p>
         </p:txBody>
@@ -4297,7 +4395,7 @@
         <p:spPr>
           <a:xfrm>
             <a:off x="457200" y="1244816"/>
-            <a:ext cx="8229600" cy="3093154"/>
+            <a:ext cx="8229600" cy="2692532"/>
           </a:xfrm>
           <a:prstGeom prst="rect">
             <a:avLst/>
@@ -4310,120 +4408,98 @@
           </a:bodyPr>
           <a:lstStyle/>
           <a:p>
-            <a:pPr marL="598840" indent="-598840" defTabSz="1261465">
+            <a:pPr>
+              <a:lnSpc>
+                <a:spcPct val="80000"/>
+              </a:lnSpc>
               <a:spcBef>
                 <a:spcPts val="1100"/>
               </a:spcBef>
-              <a:buSzPct val="75000"/>
-              <a:buChar char="•"/>
-              <a:defRPr sz="4850"/>
+              <a:buSzPct val="100000"/>
+              <a:defRPr sz="4600">
+                <a:solidFill>
+                  <a:srgbClr val="000000"/>
+                </a:solidFill>
+              </a:defRPr>
             </a:pPr>
-            <a:r>
-              <a:rPr lang="en-US" sz="2000" dirty="0">
+            <a:endParaRPr lang="en-US" sz="4400" dirty="0">
+              <a:latin typeface="Open Sans" panose="020B0606030504020204" pitchFamily="34" charset="0"/>
+              <a:ea typeface="Open Sans" panose="020B0606030504020204" pitchFamily="34" charset="0"/>
+              <a:cs typeface="Open Sans" panose="020B0606030504020204" pitchFamily="34" charset="0"/>
+            </a:endParaRPr>
+          </a:p>
+          <a:p>
+            <a:pPr>
+              <a:lnSpc>
+                <a:spcPct val="80000"/>
+              </a:lnSpc>
+              <a:spcBef>
+                <a:spcPts val="1100"/>
+              </a:spcBef>
+              <a:buSzPct val="100000"/>
+              <a:defRPr sz="4600">
+                <a:solidFill>
+                  <a:srgbClr val="000000"/>
+                </a:solidFill>
+              </a:defRPr>
+            </a:pPr>
+            <a:r>
+              <a:rPr lang="en-US" sz="4400" dirty="0" err="1">
                 <a:latin typeface="Open Sans" panose="020B0606030504020204" pitchFamily="34" charset="0"/>
                 <a:ea typeface="Open Sans" panose="020B0606030504020204" pitchFamily="34" charset="0"/>
                 <a:cs typeface="Open Sans" panose="020B0606030504020204" pitchFamily="34" charset="0"/>
               </a:rPr>
-              <a:t>Code complexity</a:t>
-            </a:r>
-          </a:p>
-          <a:p>
-            <a:pPr marL="598840" indent="-598840" defTabSz="1261465">
-              <a:spcBef>
-                <a:spcPts val="1100"/>
-              </a:spcBef>
-              <a:buSzPct val="75000"/>
-              <a:buChar char="•"/>
-              <a:defRPr sz="4850"/>
-            </a:pPr>
-            <a:endParaRPr lang="en-US" sz="2000" dirty="0">
+              <a:t>EasyMock</a:t>
+            </a:r>
+            <a:endParaRPr lang="en-US" sz="4400" dirty="0">
               <a:latin typeface="Open Sans" panose="020B0606030504020204" pitchFamily="34" charset="0"/>
               <a:ea typeface="Open Sans" panose="020B0606030504020204" pitchFamily="34" charset="0"/>
               <a:cs typeface="Open Sans" panose="020B0606030504020204" pitchFamily="34" charset="0"/>
             </a:endParaRPr>
           </a:p>
           <a:p>
-            <a:pPr marL="598840" indent="-598840" defTabSz="1261465">
+            <a:pPr>
+              <a:lnSpc>
+                <a:spcPct val="80000"/>
+              </a:lnSpc>
               <a:spcBef>
                 <a:spcPts val="1100"/>
               </a:spcBef>
-              <a:buSzPct val="75000"/>
-              <a:buChar char="•"/>
-              <a:defRPr sz="4850"/>
+              <a:buSzPct val="100000"/>
+              <a:defRPr sz="4600">
+                <a:solidFill>
+                  <a:srgbClr val="000000"/>
+                </a:solidFill>
+              </a:defRPr>
             </a:pPr>
-            <a:r>
-              <a:rPr lang="en-US" sz="2000" dirty="0">
+            <a:endParaRPr lang="en-US" sz="4400" dirty="0">
+              <a:latin typeface="Open Sans" panose="020B0606030504020204" pitchFamily="34" charset="0"/>
+              <a:ea typeface="Open Sans" panose="020B0606030504020204" pitchFamily="34" charset="0"/>
+              <a:cs typeface="Open Sans" panose="020B0606030504020204" pitchFamily="34" charset="0"/>
+            </a:endParaRPr>
+          </a:p>
+          <a:p>
+            <a:pPr>
+              <a:lnSpc>
+                <a:spcPct val="80000"/>
+              </a:lnSpc>
+              <a:spcBef>
+                <a:spcPts val="1100"/>
+              </a:spcBef>
+              <a:buSzPct val="100000"/>
+              <a:defRPr sz="4600">
+                <a:solidFill>
+                  <a:srgbClr val="000000"/>
+                </a:solidFill>
+              </a:defRPr>
+            </a:pPr>
+            <a:r>
+              <a:rPr lang="en-US" sz="4400" dirty="0">
                 <a:latin typeface="Open Sans" panose="020B0606030504020204" pitchFamily="34" charset="0"/>
                 <a:ea typeface="Open Sans" panose="020B0606030504020204" pitchFamily="34" charset="0"/>
                 <a:cs typeface="Open Sans" panose="020B0606030504020204" pitchFamily="34" charset="0"/>
               </a:rPr>
-              <a:t>More code to maintain</a:t>
-            </a:r>
-          </a:p>
-          <a:p>
-            <a:pPr marL="598840" indent="-598840" defTabSz="1261465">
-              <a:spcBef>
-                <a:spcPts val="1100"/>
-              </a:spcBef>
-              <a:buSzPct val="75000"/>
-              <a:buChar char="•"/>
-              <a:defRPr sz="4850"/>
-            </a:pPr>
-            <a:endParaRPr lang="en-US" sz="2000" dirty="0">
-              <a:latin typeface="Open Sans" panose="020B0606030504020204" pitchFamily="34" charset="0"/>
-              <a:ea typeface="Open Sans" panose="020B0606030504020204" pitchFamily="34" charset="0"/>
-              <a:cs typeface="Open Sans" panose="020B0606030504020204" pitchFamily="34" charset="0"/>
-            </a:endParaRPr>
-          </a:p>
-          <a:p>
-            <a:pPr marL="598840" indent="-598840" defTabSz="1261465">
-              <a:spcBef>
-                <a:spcPts val="1100"/>
-              </a:spcBef>
-              <a:buSzPct val="75000"/>
-              <a:buChar char="•"/>
-              <a:defRPr sz="4850"/>
-            </a:pPr>
-            <a:r>
-              <a:rPr lang="en-US" sz="2000" dirty="0">
-                <a:latin typeface="Open Sans" panose="020B0606030504020204" pitchFamily="34" charset="0"/>
-                <a:ea typeface="Open Sans" panose="020B0606030504020204" pitchFamily="34" charset="0"/>
-                <a:cs typeface="Open Sans" panose="020B0606030504020204" pitchFamily="34" charset="0"/>
-              </a:rPr>
-              <a:t>Not integration testing</a:t>
-            </a:r>
-          </a:p>
-          <a:p>
-            <a:pPr marL="598840" indent="-598840" defTabSz="1261465">
-              <a:spcBef>
-                <a:spcPts val="1100"/>
-              </a:spcBef>
-              <a:buSzPct val="75000"/>
-              <a:buChar char="•"/>
-              <a:defRPr sz="4850"/>
-            </a:pPr>
-            <a:endParaRPr lang="en-US" sz="2000" dirty="0">
-              <a:latin typeface="Open Sans" panose="020B0606030504020204" pitchFamily="34" charset="0"/>
-              <a:ea typeface="Open Sans" panose="020B0606030504020204" pitchFamily="34" charset="0"/>
-              <a:cs typeface="Open Sans" panose="020B0606030504020204" pitchFamily="34" charset="0"/>
-            </a:endParaRPr>
-          </a:p>
-          <a:p>
-            <a:pPr marL="598840" indent="-598840" defTabSz="1261465">
-              <a:spcBef>
-                <a:spcPts val="1100"/>
-              </a:spcBef>
-              <a:buSzPct val="75000"/>
-              <a:buChar char="•"/>
-              <a:defRPr sz="4850"/>
-            </a:pPr>
-            <a:r>
-              <a:rPr lang="en-US" sz="2000" dirty="0">
-                <a:latin typeface="Open Sans" panose="020B0606030504020204" pitchFamily="34" charset="0"/>
-                <a:ea typeface="Open Sans" panose="020B0606030504020204" pitchFamily="34" charset="0"/>
-                <a:cs typeface="Open Sans" panose="020B0606030504020204" pitchFamily="34" charset="0"/>
-              </a:rPr>
-              <a:t>Testing behavior, not other attributes (e.g., performance)</a:t>
+              <a:t>Mockito</a:t>
             </a:r>
           </a:p>
         </p:txBody>
@@ -4431,7 +4507,7 @@
     </p:spTree>
     <p:extLst>
       <p:ext uri="{BB962C8B-B14F-4D97-AF65-F5344CB8AC3E}">
-        <p14:creationId xmlns:p14="http://schemas.microsoft.com/office/powerpoint/2010/main" val="3608468607"/>
+        <p14:creationId xmlns:p14="http://schemas.microsoft.com/office/powerpoint/2010/main" val="3601341808"/>
       </p:ext>
     </p:extLst>
   </p:cSld>
@@ -4480,16 +4556,57 @@
           <a:lstStyle/>
           <a:p>
             <a:r>
-              <a:rPr lang="en-US" dirty="0"/>
-              <a:t>Mocking Frameworks</a:t>
+              <a:rPr lang="en-US" sz="3200" dirty="0" err="1"/>
+              <a:t>EasyMock</a:t>
+            </a:r>
+            <a:r>
+              <a:rPr lang="en-US" sz="3200" dirty="0"/>
+              <a:t> Example</a:t>
             </a:r>
           </a:p>
         </p:txBody>
       </p:sp>
+      <p:pic>
+        <p:nvPicPr>
+          <p:cNvPr id="4" name="Picture 3">
+            <a:extLst>
+              <a:ext uri="{FF2B5EF4-FFF2-40B4-BE49-F238E27FC236}">
+                <a16:creationId xmlns:a16="http://schemas.microsoft.com/office/drawing/2014/main" id="{62648D38-37A9-D0F9-0EF8-AB222030C546}"/>
+              </a:ext>
+            </a:extLst>
+          </p:cNvPr>
+          <p:cNvPicPr>
+            <a:picLocks noChangeAspect="1"/>
+          </p:cNvPicPr>
+          <p:nvPr/>
+        </p:nvPicPr>
+        <p:blipFill>
+          <a:blip r:embed="rId2"/>
+          <a:stretch>
+            <a:fillRect/>
+          </a:stretch>
+        </p:blipFill>
+        <p:spPr>
+          <a:xfrm>
+            <a:off x="685800" y="971550"/>
+            <a:ext cx="7772400" cy="3531164"/>
+          </a:xfrm>
+          <a:prstGeom prst="rect">
+            <a:avLst/>
+          </a:prstGeom>
+          <a:effectLst>
+            <a:outerShdw blurRad="50800" dist="38100" dir="2700000" algn="tl" rotWithShape="0">
+              <a:prstClr val="black">
+                <a:alpha val="40000"/>
+              </a:prstClr>
+            </a:outerShdw>
+          </a:effectLst>
+        </p:spPr>
+      </p:pic>
     </p:spTree>
     <p:extLst>
       <p:ext uri="{BB962C8B-B14F-4D97-AF65-F5344CB8AC3E}">
-        <p14:creationId xmlns:p14="http://schemas.microsoft.com/office/powerpoint/2010/main" val="970975627"/>
+        <p14:creationId xmlns:p14="http://schemas.microsoft.com/office/powerpoint/2010/main" val="2502281040"/>
       </p:ext>
     </p:extLst>
   </p:cSld>
@@ -4538,151 +4655,56 @@
           <a:lstStyle/>
           <a:p>
             <a:r>
-              <a:rPr lang="en-US" dirty="0"/>
-              <a:t>Mocking Java Frameworks</a:t>
+              <a:rPr lang="en-US" sz="3200" dirty="0"/>
+              <a:t>Mockito Example</a:t>
             </a:r>
           </a:p>
         </p:txBody>
       </p:sp>
-      <p:sp>
-        <p:nvSpPr>
-          <p:cNvPr id="4" name="TextBox 3">
+      <p:pic>
+        <p:nvPicPr>
+          <p:cNvPr id="4" name="Screen Shot 2019-02-18 at 9.06.45 AM.png" descr="Screen Shot 2019-02-18 at 9.06.45 AM.png">
             <a:extLst>
               <a:ext uri="{FF2B5EF4-FFF2-40B4-BE49-F238E27FC236}">
-                <a16:creationId xmlns:a16="http://schemas.microsoft.com/office/drawing/2014/main" id="{15CEDD4C-A2A4-EFC5-BB57-41F702FEE809}"/>
+                <a16:creationId xmlns:a16="http://schemas.microsoft.com/office/drawing/2014/main" id="{B213E474-B608-8012-0388-4D8F002E65FF}"/>
               </a:ext>
             </a:extLst>
           </p:cNvPr>
-          <p:cNvSpPr txBox="1"/>
+          <p:cNvPicPr>
+            <a:picLocks noChangeAspect="1"/>
+          </p:cNvPicPr>
           <p:nvPr/>
-        </p:nvSpPr>
+        </p:nvPicPr>
+        <p:blipFill>
+          <a:blip r:embed="rId2"/>
+          <a:stretch>
+            <a:fillRect/>
+          </a:stretch>
+        </p:blipFill>
         <p:spPr>
           <a:xfrm>
-            <a:off x="457200" y="1244816"/>
-            <a:ext cx="8229600" cy="1770100"/>
+            <a:off x="838200" y="1276350"/>
+            <a:ext cx="6400800" cy="3235829"/>
           </a:xfrm>
           <a:prstGeom prst="rect">
             <a:avLst/>
           </a:prstGeom>
-          <a:noFill/>
+          <a:ln w="12700">
+            <a:miter lim="400000"/>
+          </a:ln>
+          <a:effectLst>
+            <a:outerShdw blurRad="50800" dist="38100" dir="2700000" algn="tl" rotWithShape="0">
+              <a:prstClr val="black">
+                <a:alpha val="40000"/>
+              </a:prstClr>
+            </a:outerShdw>
+          </a:effectLst>
         </p:spPr>
-        <p:txBody>
-          <a:bodyPr wrap="square">
-            <a:spAutoFit/>
-          </a:bodyPr>
-          <a:lstStyle/>
-          <a:p>
-            <a:pPr marL="477981" indent="-477981">
-              <a:lnSpc>
-                <a:spcPct val="80000"/>
-              </a:lnSpc>
-              <a:spcBef>
-                <a:spcPts val="1100"/>
-              </a:spcBef>
-              <a:buSzPct val="100000"/>
-              <a:buFont typeface="Arial"/>
-              <a:buChar char="•"/>
-              <a:defRPr sz="4600">
-                <a:solidFill>
-                  <a:srgbClr val="000000"/>
-                </a:solidFill>
-              </a:defRPr>
-            </a:pPr>
-            <a:r>
-              <a:rPr lang="en-US" sz="1800" dirty="0" err="1"/>
-              <a:t>EasyMock</a:t>
-            </a:r>
-            <a:endParaRPr lang="en-US" sz="1800" dirty="0"/>
-          </a:p>
-          <a:p>
-            <a:pPr marL="477981" indent="-477981">
-              <a:lnSpc>
-                <a:spcPct val="80000"/>
-              </a:lnSpc>
-              <a:spcBef>
-                <a:spcPts val="1100"/>
-              </a:spcBef>
-              <a:buSzPct val="100000"/>
-              <a:buFont typeface="Arial"/>
-              <a:buChar char="•"/>
-              <a:defRPr sz="4600">
-                <a:solidFill>
-                  <a:srgbClr val="000000"/>
-                </a:solidFill>
-              </a:defRPr>
-            </a:pPr>
-            <a:endParaRPr lang="en-US" sz="1800" dirty="0"/>
-          </a:p>
-          <a:p>
-            <a:pPr marL="477981" indent="-477981">
-              <a:lnSpc>
-                <a:spcPct val="80000"/>
-              </a:lnSpc>
-              <a:spcBef>
-                <a:spcPts val="1100"/>
-              </a:spcBef>
-              <a:buSzPct val="100000"/>
-              <a:buFont typeface="Arial"/>
-              <a:buChar char="•"/>
-              <a:defRPr sz="4600">
-                <a:solidFill>
-                  <a:srgbClr val="000000"/>
-                </a:solidFill>
-              </a:defRPr>
-            </a:pPr>
-            <a:r>
-              <a:rPr lang="en-US" sz="1800" dirty="0"/>
-              <a:t>Mockito</a:t>
-            </a:r>
-          </a:p>
-          <a:p>
-            <a:pPr marL="477981" indent="-477981">
-              <a:lnSpc>
-                <a:spcPct val="80000"/>
-              </a:lnSpc>
-              <a:spcBef>
-                <a:spcPts val="1100"/>
-              </a:spcBef>
-              <a:buSzPct val="100000"/>
-              <a:buFont typeface="Arial"/>
-              <a:buChar char="•"/>
-              <a:defRPr sz="4600">
-                <a:solidFill>
-                  <a:srgbClr val="000000"/>
-                </a:solidFill>
-              </a:defRPr>
-            </a:pPr>
-            <a:endParaRPr lang="en-US" sz="1800" dirty="0"/>
-          </a:p>
-          <a:p>
-            <a:pPr marL="477981" indent="-477981">
-              <a:lnSpc>
-                <a:spcPct val="80000"/>
-              </a:lnSpc>
-              <a:spcBef>
-                <a:spcPts val="1100"/>
-              </a:spcBef>
-              <a:buSzPct val="100000"/>
-              <a:buFont typeface="Arial"/>
-              <a:buChar char="•"/>
-              <a:defRPr sz="4600">
-                <a:solidFill>
-                  <a:srgbClr val="000000"/>
-                </a:solidFill>
-              </a:defRPr>
-            </a:pPr>
-            <a:r>
-              <a:rPr lang="en-US" sz="1800" dirty="0" err="1"/>
-              <a:t>JMockit</a:t>
-            </a:r>
-            <a:endParaRPr lang="en-US" sz="1800" dirty="0"/>
-          </a:p>
-        </p:txBody>
-      </p:sp>
+      </p:pic>
     </p:spTree>
     <p:extLst>
       <p:ext uri="{BB962C8B-B14F-4D97-AF65-F5344CB8AC3E}">
-        <p14:creationId xmlns:p14="http://schemas.microsoft.com/office/powerpoint/2010/main" val="3601341808"/>
+        <p14:creationId xmlns:p14="http://schemas.microsoft.com/office/powerpoint/2010/main" val="2762160253"/>
       </p:ext>
     </p:extLst>
   </p:cSld>
@@ -4731,195 +4753,10 @@
           <a:lstStyle/>
           <a:p>
             <a:r>
-              <a:rPr lang="en-US" dirty="0" err="1"/>
-              <a:t>EasyMock</a:t>
-            </a:r>
-            <a:r>
-              <a:rPr lang="en-US" dirty="0"/>
-              <a:t> Example</a:t>
-            </a:r>
-          </a:p>
-        </p:txBody>
-      </p:sp>
-      <p:pic>
-        <p:nvPicPr>
-          <p:cNvPr id="3" name="Screen Shot 2019-02-18 at 9.07.18 AM.png" descr="Screen Shot 2019-02-18 at 9.07.18 AM.png">
-            <a:extLst>
-              <a:ext uri="{FF2B5EF4-FFF2-40B4-BE49-F238E27FC236}">
-                <a16:creationId xmlns:a16="http://schemas.microsoft.com/office/drawing/2014/main" id="{BEFA2B84-83E3-A709-DDE0-332931A7DD30}"/>
-              </a:ext>
-            </a:extLst>
-          </p:cNvPr>
-          <p:cNvPicPr>
-            <a:picLocks noChangeAspect="1"/>
-          </p:cNvPicPr>
-          <p:nvPr/>
-        </p:nvPicPr>
-        <p:blipFill>
-          <a:blip r:embed="rId2"/>
-          <a:stretch>
-            <a:fillRect/>
-          </a:stretch>
-        </p:blipFill>
-        <p:spPr>
-          <a:xfrm>
-            <a:off x="673100" y="1036854"/>
-            <a:ext cx="6946900" cy="3394116"/>
-          </a:xfrm>
-          <a:prstGeom prst="rect">
-            <a:avLst/>
-          </a:prstGeom>
-          <a:ln w="12700">
-            <a:miter lim="400000"/>
-          </a:ln>
-        </p:spPr>
-      </p:pic>
-    </p:spTree>
-    <p:extLst>
-      <p:ext uri="{BB962C8B-B14F-4D97-AF65-F5344CB8AC3E}">
-        <p14:creationId xmlns:p14="http://schemas.microsoft.com/office/powerpoint/2010/main" val="2502281040"/>
-      </p:ext>
-    </p:extLst>
-  </p:cSld>
-  <p:clrMapOvr>
-    <a:masterClrMapping/>
-  </p:clrMapOvr>
-</p:sld>
-</file>
-
-<file path=ppt/slides/slide17.xml><?xml version="1.0" encoding="utf-8"?>
-<p:sld xmlns:a="http://schemas.openxmlformats.org/drawingml/2006/main" xmlns:r="http://schemas.openxmlformats.org/officeDocument/2006/relationships" xmlns:p="http://schemas.openxmlformats.org/presentationml/2006/main">
-  <p:cSld>
-    <p:spTree>
-      <p:nvGrpSpPr>
-        <p:cNvPr id="1" name=""/>
-        <p:cNvGrpSpPr/>
-        <p:nvPr/>
-      </p:nvGrpSpPr>
-      <p:grpSpPr>
-        <a:xfrm>
-          <a:off x="0" y="0"/>
-          <a:ext cx="0" cy="0"/>
-          <a:chOff x="0" y="0"/>
-          <a:chExt cx="0" cy="0"/>
-        </a:xfrm>
-      </p:grpSpPr>
-      <p:sp>
-        <p:nvSpPr>
-          <p:cNvPr id="2" name="Title 1">
-            <a:extLst>
-              <a:ext uri="{FF2B5EF4-FFF2-40B4-BE49-F238E27FC236}">
-                <a16:creationId xmlns:a16="http://schemas.microsoft.com/office/drawing/2014/main" id="{325BB0B3-E7FA-E731-07D6-72AAFC8117C5}"/>
-              </a:ext>
-            </a:extLst>
-          </p:cNvPr>
-          <p:cNvSpPr>
-            <a:spLocks noGrp="1"/>
-          </p:cNvSpPr>
-          <p:nvPr>
-            <p:ph type="title"/>
-          </p:nvPr>
-        </p:nvSpPr>
-        <p:spPr/>
-        <p:txBody>
-          <a:bodyPr/>
-          <a:lstStyle/>
-          <a:p>
-            <a:r>
-              <a:rPr lang="en-US" dirty="0"/>
-              <a:t>Mockito Example</a:t>
-            </a:r>
-          </a:p>
-        </p:txBody>
-      </p:sp>
-      <p:pic>
-        <p:nvPicPr>
-          <p:cNvPr id="4" name="Screen Shot 2019-02-18 at 9.06.45 AM.png" descr="Screen Shot 2019-02-18 at 9.06.45 AM.png">
-            <a:extLst>
-              <a:ext uri="{FF2B5EF4-FFF2-40B4-BE49-F238E27FC236}">
-                <a16:creationId xmlns:a16="http://schemas.microsoft.com/office/drawing/2014/main" id="{B213E474-B608-8012-0388-4D8F002E65FF}"/>
-              </a:ext>
-            </a:extLst>
-          </p:cNvPr>
-          <p:cNvPicPr>
-            <a:picLocks noChangeAspect="1"/>
-          </p:cNvPicPr>
-          <p:nvPr/>
-        </p:nvPicPr>
-        <p:blipFill>
-          <a:blip r:embed="rId2"/>
-          <a:stretch>
-            <a:fillRect/>
-          </a:stretch>
-        </p:blipFill>
-        <p:spPr>
-          <a:xfrm>
-            <a:off x="838200" y="1352550"/>
-            <a:ext cx="6400800" cy="3235829"/>
-          </a:xfrm>
-          <a:prstGeom prst="rect">
-            <a:avLst/>
-          </a:prstGeom>
-          <a:ln w="12700">
-            <a:miter lim="400000"/>
-          </a:ln>
-        </p:spPr>
-      </p:pic>
-    </p:spTree>
-    <p:extLst>
-      <p:ext uri="{BB962C8B-B14F-4D97-AF65-F5344CB8AC3E}">
-        <p14:creationId xmlns:p14="http://schemas.microsoft.com/office/powerpoint/2010/main" val="2762160253"/>
-      </p:ext>
-    </p:extLst>
-  </p:cSld>
-  <p:clrMapOvr>
-    <a:masterClrMapping/>
-  </p:clrMapOvr>
-</p:sld>
-</file>
-
-<file path=ppt/slides/slide18.xml><?xml version="1.0" encoding="utf-8"?>
-<p:sld xmlns:a="http://schemas.openxmlformats.org/drawingml/2006/main" xmlns:r="http://schemas.openxmlformats.org/officeDocument/2006/relationships" xmlns:p="http://schemas.openxmlformats.org/presentationml/2006/main">
-  <p:cSld>
-    <p:spTree>
-      <p:nvGrpSpPr>
-        <p:cNvPr id="1" name=""/>
-        <p:cNvGrpSpPr/>
-        <p:nvPr/>
-      </p:nvGrpSpPr>
-      <p:grpSpPr>
-        <a:xfrm>
-          <a:off x="0" y="0"/>
-          <a:ext cx="0" cy="0"/>
-          <a:chOff x="0" y="0"/>
-          <a:chExt cx="0" cy="0"/>
-        </a:xfrm>
-      </p:grpSpPr>
-      <p:sp>
-        <p:nvSpPr>
-          <p:cNvPr id="2" name="Title 1">
-            <a:extLst>
-              <a:ext uri="{FF2B5EF4-FFF2-40B4-BE49-F238E27FC236}">
-                <a16:creationId xmlns:a16="http://schemas.microsoft.com/office/drawing/2014/main" id="{325BB0B3-E7FA-E731-07D6-72AAFC8117C5}"/>
-              </a:ext>
-            </a:extLst>
-          </p:cNvPr>
-          <p:cNvSpPr>
-            <a:spLocks noGrp="1"/>
-          </p:cNvSpPr>
-          <p:nvPr>
-            <p:ph type="title"/>
-          </p:nvPr>
-        </p:nvSpPr>
-        <p:spPr/>
-        <p:txBody>
-          <a:bodyPr/>
-          <a:lstStyle/>
-          <a:p>
-            <a:r>
-              <a:rPr lang="en-US" dirty="0"/>
+              <a:rPr lang="en-US" sz="3200" dirty="0"/>
               <a:t>Exercise</a:t>
             </a:r>
+            <a:endParaRPr lang="en-US" dirty="0"/>
           </a:p>
         </p:txBody>
       </p:sp>
@@ -4938,7 +4775,7 @@
         <p:spPr>
           <a:xfrm>
             <a:off x="457200" y="1200150"/>
-            <a:ext cx="8229600" cy="2636234"/>
+            <a:ext cx="8229600" cy="1604029"/>
           </a:xfrm>
           <a:prstGeom prst="rect">
             <a:avLst/>
@@ -4951,6 +4788,49 @@
           </a:bodyPr>
           <a:lstStyle/>
           <a:p>
+            <a:pPr>
+              <a:lnSpc>
+                <a:spcPct val="80000"/>
+              </a:lnSpc>
+              <a:spcBef>
+                <a:spcPts val="1100"/>
+              </a:spcBef>
+              <a:buSzPct val="100000"/>
+              <a:defRPr sz="4600">
+                <a:solidFill>
+                  <a:srgbClr val="000000"/>
+                </a:solidFill>
+              </a:defRPr>
+            </a:pPr>
+            <a:r>
+              <a:rPr lang="en-US" sz="2200" dirty="0">
+                <a:latin typeface="Open Sans" panose="020B0606030504020204" pitchFamily="34" charset="0"/>
+                <a:ea typeface="Open Sans" panose="020B0606030504020204" pitchFamily="34" charset="0"/>
+                <a:cs typeface="Open Sans" panose="020B0606030504020204" pitchFamily="34" charset="0"/>
+              </a:rPr>
+              <a:t>1. Implement </a:t>
+            </a:r>
+            <a:r>
+              <a:rPr lang="en-US" sz="2200" b="1" dirty="0" err="1">
+                <a:solidFill>
+                  <a:schemeClr val="accent3"/>
+                </a:solidFill>
+                <a:latin typeface="Open Sans" panose="020B0606030504020204" pitchFamily="34" charset="0"/>
+                <a:ea typeface="Open Sans" panose="020B0606030504020204" pitchFamily="34" charset="0"/>
+                <a:cs typeface="Open Sans" panose="020B0606030504020204" pitchFamily="34" charset="0"/>
+              </a:rPr>
+              <a:t>toDollars</a:t>
+            </a:r>
+            <a:r>
+              <a:rPr lang="en-US" sz="2200" dirty="0">
+                <a:latin typeface="Open Sans" panose="020B0606030504020204" pitchFamily="34" charset="0"/>
+                <a:ea typeface="Open Sans" panose="020B0606030504020204" pitchFamily="34" charset="0"/>
+                <a:cs typeface="Open Sans" panose="020B0606030504020204" pitchFamily="34" charset="0"/>
+              </a:rPr>
+              <a:t> method in Currency</a:t>
+            </a:r>
+          </a:p>
+          <a:p>
             <a:pPr marL="477981" indent="-477981">
               <a:lnSpc>
                 <a:spcPct val="80000"/>
@@ -4967,18 +4847,11 @@
                 </a:solidFill>
               </a:defRPr>
             </a:pPr>
-            <a:r>
-              <a:rPr lang="en-US" sz="3200" dirty="0"/>
-              <a:t>Implement </a:t>
-            </a:r>
-            <a:r>
-              <a:rPr lang="en-US" sz="3200" dirty="0" err="1"/>
-              <a:t>toDollars</a:t>
-            </a:r>
-            <a:r>
-              <a:rPr lang="en-US" sz="3200" dirty="0"/>
-              <a:t> method in Currency</a:t>
-            </a:r>
+            <a:endParaRPr lang="en-US" sz="2200" dirty="0">
+              <a:latin typeface="Open Sans" panose="020B0606030504020204" pitchFamily="34" charset="0"/>
+              <a:ea typeface="Open Sans" panose="020B0606030504020204" pitchFamily="34" charset="0"/>
+              <a:cs typeface="Open Sans" panose="020B0606030504020204" pitchFamily="34" charset="0"/>
+            </a:endParaRPr>
           </a:p>
           <a:p>
             <a:pPr marL="477981" indent="-477981">
@@ -4997,10 +4870,14 @@
                 </a:solidFill>
               </a:defRPr>
             </a:pPr>
-            <a:endParaRPr lang="en-US" sz="3200" dirty="0"/>
-          </a:p>
-          <a:p>
-            <a:pPr marL="477981" indent="-477981">
+            <a:endParaRPr lang="en-US" sz="2200" dirty="0">
+              <a:latin typeface="Open Sans" panose="020B0606030504020204" pitchFamily="34" charset="0"/>
+              <a:ea typeface="Open Sans" panose="020B0606030504020204" pitchFamily="34" charset="0"/>
+              <a:cs typeface="Open Sans" panose="020B0606030504020204" pitchFamily="34" charset="0"/>
+            </a:endParaRPr>
+          </a:p>
+          <a:p>
+            <a:pPr>
               <a:lnSpc>
                 <a:spcPct val="80000"/>
               </a:lnSpc>
@@ -5008,8 +4885,6 @@
                 <a:spcPts val="1100"/>
               </a:spcBef>
               <a:buSzPct val="100000"/>
-              <a:buFont typeface="Arial"/>
-              <a:buChar char="•"/>
               <a:defRPr sz="4600">
                 <a:solidFill>
                   <a:srgbClr val="000000"/>
@@ -5017,55 +4892,13 @@
               </a:defRPr>
             </a:pPr>
             <a:r>
-              <a:rPr lang="en-US" sz="3200" dirty="0"/>
-              <a:t>Use your favorite mocking framework</a:t>
-            </a:r>
-          </a:p>
-          <a:p>
-            <a:pPr marL="477981" indent="-477981">
-              <a:lnSpc>
-                <a:spcPct val="80000"/>
-              </a:lnSpc>
-              <a:spcBef>
-                <a:spcPts val="1100"/>
-              </a:spcBef>
-              <a:buSzPct val="100000"/>
-              <a:buFont typeface="Arial"/>
-              <a:buChar char="•"/>
-              <a:defRPr sz="4600">
-                <a:solidFill>
-                  <a:srgbClr val="000000"/>
-                </a:solidFill>
-              </a:defRPr>
-            </a:pPr>
-            <a:endParaRPr lang="en-US" sz="3200" dirty="0"/>
-          </a:p>
-          <a:p>
-            <a:pPr marL="477981" indent="-477981">
-              <a:lnSpc>
-                <a:spcPct val="80000"/>
-              </a:lnSpc>
-              <a:spcBef>
-                <a:spcPts val="1100"/>
-              </a:spcBef>
-              <a:buSzPct val="100000"/>
-              <a:buFont typeface="Arial"/>
-              <a:buChar char="•"/>
-              <a:defRPr sz="4600">
-                <a:solidFill>
-                  <a:srgbClr val="000000"/>
-                </a:solidFill>
-              </a:defRPr>
-            </a:pPr>
-            <a:r>
-              <a:rPr lang="en-US" sz="3200" dirty="0"/>
-              <a:t>Use maven or </a:t>
-            </a:r>
-            <a:r>
-              <a:rPr lang="en-US" sz="3200" dirty="0" err="1"/>
-              <a:t>gradle</a:t>
-            </a:r>
-            <a:endParaRPr lang="en-US" sz="3200" dirty="0"/>
+              <a:rPr lang="en-US" sz="2200" dirty="0">
+                <a:latin typeface="Open Sans" panose="020B0606030504020204" pitchFamily="34" charset="0"/>
+                <a:ea typeface="Open Sans" panose="020B0606030504020204" pitchFamily="34" charset="0"/>
+                <a:cs typeface="Open Sans" panose="020B0606030504020204" pitchFamily="34" charset="0"/>
+              </a:rPr>
+              <a:t>2. Use your favorite mocking framework</a:t>
+            </a:r>
           </a:p>
         </p:txBody>
       </p:sp>
@@ -5121,7 +4954,7 @@
           <a:lstStyle/>
           <a:p>
             <a:r>
-              <a:rPr lang="en-US" dirty="0"/>
+              <a:rPr lang="en-US" sz="3200" dirty="0"/>
               <a:t>What is Unit Testing?</a:t>
             </a:r>
           </a:p>
@@ -5332,7 +5165,7 @@
               </a:defRPr>
             </a:pPr>
             <a:r>
-              <a:rPr lang="en-US" sz="2400" kern="0" dirty="0">
+              <a:rPr lang="en-US" sz="1800" kern="0" dirty="0">
                 <a:solidFill>
                   <a:srgbClr val="000000"/>
                 </a:solidFill>
@@ -5357,7 +5190,7 @@
                 </a:solidFill>
               </a:defRPr>
             </a:pPr>
-            <a:endParaRPr lang="en-US" sz="2400" kern="0" dirty="0">
+            <a:endParaRPr lang="en-US" sz="1800" kern="0" dirty="0">
               <a:solidFill>
                 <a:srgbClr val="000000"/>
               </a:solidFill>
@@ -5381,7 +5214,7 @@
               </a:defRPr>
             </a:pPr>
             <a:r>
-              <a:rPr lang="en-US" sz="2400" kern="0" dirty="0">
+              <a:rPr lang="en-US" sz="1800" kern="0" dirty="0">
                 <a:solidFill>
                   <a:srgbClr val="000000"/>
                 </a:solidFill>
@@ -5407,7 +5240,7 @@
               </a:defRPr>
             </a:pPr>
             <a:r>
-              <a:rPr lang="en-US" sz="2400" kern="0" dirty="0">
+              <a:rPr lang="en-US" sz="1800" kern="0" dirty="0">
                 <a:solidFill>
                   <a:srgbClr val="000000"/>
                 </a:solidFill>
@@ -5433,7 +5266,7 @@
               </a:defRPr>
             </a:pPr>
             <a:r>
-              <a:rPr lang="en-US" sz="2400" kern="0" dirty="0">
+              <a:rPr lang="en-US" sz="1800" kern="0" dirty="0">
                 <a:solidFill>
                   <a:srgbClr val="000000"/>
                 </a:solidFill>
@@ -5459,7 +5292,7 @@
               </a:defRPr>
             </a:pPr>
             <a:r>
-              <a:rPr lang="en-US" sz="2400" kern="0" dirty="0">
+              <a:rPr lang="en-US" sz="1800" kern="0" dirty="0">
                 <a:solidFill>
                   <a:srgbClr val="000000"/>
                 </a:solidFill>
@@ -5521,7 +5354,7 @@
           <a:lstStyle/>
           <a:p>
             <a:r>
-              <a:rPr lang="en-US" dirty="0"/>
+              <a:rPr lang="en-US" sz="3600" dirty="0"/>
               <a:t>Example 1</a:t>
             </a:r>
           </a:p>
@@ -5723,8 +5556,8 @@
                 <a:spcPts val="1100"/>
               </a:spcBef>
               <a:buSzPct val="100000"/>
-              <a:buFont typeface="Arial"/>
-              <a:buChar char="•"/>
+              <a:buFont typeface="+mj-lt"/>
+              <a:buAutoNum type="arabicPeriod"/>
               <a:defRPr sz="4600">
                 <a:solidFill>
                   <a:srgbClr val="000000"/>
@@ -5732,16 +5565,22 @@
               </a:defRPr>
             </a:pPr>
             <a:r>
-              <a:rPr lang="en-US" sz="2400" dirty="0"/>
+              <a:rPr lang="en-US" sz="1800" dirty="0"/>
               <a:t>Suppose we want to test a </a:t>
             </a:r>
             <a:r>
-              <a:rPr lang="en-US" sz="2400" dirty="0" err="1"/>
+              <a:rPr lang="en-US" sz="1800" b="1" dirty="0" err="1">
+                <a:solidFill>
+                  <a:schemeClr val="accent3">
+                    <a:lumMod val="75000"/>
+                  </a:schemeClr>
+                </a:solidFill>
+              </a:rPr>
               <a:t>AutonomousCar</a:t>
             </a:r>
             <a:r>
-              <a:rPr lang="en-US" sz="2400" dirty="0"/>
-              <a:t> object driving from two locations</a:t>
+              <a:rPr lang="en-US" sz="1800" dirty="0"/>
+              <a:t> object driving from two locations;</a:t>
             </a:r>
           </a:p>
           <a:p>
@@ -5753,18 +5592,15 @@
                 <a:spcPts val="1100"/>
               </a:spcBef>
               <a:buSzPct val="100000"/>
-              <a:buFont typeface="Arial"/>
-              <a:buChar char="•"/>
+              <a:buFont typeface="+mj-lt"/>
+              <a:buAutoNum type="arabicPeriod"/>
               <a:defRPr sz="4600">
                 <a:solidFill>
                   <a:srgbClr val="000000"/>
                 </a:solidFill>
               </a:defRPr>
             </a:pPr>
-            <a:r>
-              <a:rPr lang="en-US" sz="2400" dirty="0"/>
-              <a:t>Consider a Route class that uses a complex search algorithm to find the shortest path between two GPS locations</a:t>
-            </a:r>
+            <a:endParaRPr lang="en-US" sz="1800" dirty="0"/>
           </a:p>
           <a:p>
             <a:pPr marL="477981" indent="-477981">
@@ -5775,8 +5611,8 @@
                 <a:spcPts val="1100"/>
               </a:spcBef>
               <a:buSzPct val="100000"/>
-              <a:buFont typeface="Arial"/>
-              <a:buChar char="•"/>
+              <a:buFont typeface="+mj-lt"/>
+              <a:buAutoNum type="arabicPeriod"/>
               <a:defRPr sz="4600">
                 <a:solidFill>
                   <a:srgbClr val="000000"/>
@@ -5784,8 +5620,22 @@
               </a:defRPr>
             </a:pPr>
             <a:r>
-              <a:rPr lang="en-US" sz="2400" dirty="0"/>
-              <a:t>The algorithm is slow</a:t>
+              <a:rPr lang="en-US" sz="1800" dirty="0"/>
+              <a:t>Consider a </a:t>
+            </a:r>
+            <a:r>
+              <a:rPr lang="en-US" sz="1800" b="1" dirty="0">
+                <a:solidFill>
+                  <a:schemeClr val="accent3">
+                    <a:lumMod val="75000"/>
+                  </a:schemeClr>
+                </a:solidFill>
+              </a:rPr>
+              <a:t>Route</a:t>
+            </a:r>
+            <a:r>
+              <a:rPr lang="en-US" sz="1800" dirty="0"/>
+              <a:t> class that uses a complex search algorithm to find the shortest path between two GPS locations;</a:t>
             </a:r>
           </a:p>
           <a:p>
@@ -5797,25 +5647,105 @@
                 <a:spcPts val="1100"/>
               </a:spcBef>
               <a:buSzPct val="100000"/>
-              <a:buFont typeface="Arial"/>
-              <a:buChar char="•"/>
+              <a:buFont typeface="+mj-lt"/>
+              <a:buAutoNum type="arabicPeriod"/>
               <a:defRPr sz="4600">
                 <a:solidFill>
                   <a:srgbClr val="000000"/>
                 </a:solidFill>
               </a:defRPr>
             </a:pPr>
-            <a:r>
-              <a:rPr lang="en-US" sz="2400" dirty="0"/>
+            <a:endParaRPr lang="en-US" sz="1800" dirty="0"/>
+          </a:p>
+          <a:p>
+            <a:pPr marL="477981" indent="-477981">
+              <a:lnSpc>
+                <a:spcPct val="80000"/>
+              </a:lnSpc>
+              <a:spcBef>
+                <a:spcPts val="1100"/>
+              </a:spcBef>
+              <a:buSzPct val="100000"/>
+              <a:buFont typeface="+mj-lt"/>
+              <a:buAutoNum type="arabicPeriod"/>
+              <a:defRPr sz="4600">
+                <a:solidFill>
+                  <a:srgbClr val="000000"/>
+                </a:solidFill>
+              </a:defRPr>
+            </a:pPr>
+            <a:r>
+              <a:rPr lang="en-US" sz="1800" dirty="0"/>
+              <a:t>The algorithm is </a:t>
+            </a:r>
+            <a:r>
+              <a:rPr lang="en-US" sz="1800" b="1" dirty="0">
+                <a:solidFill>
+                  <a:schemeClr val="accent1">
+                    <a:lumMod val="75000"/>
+                  </a:schemeClr>
+                </a:solidFill>
+              </a:rPr>
+              <a:t>slow</a:t>
+            </a:r>
+            <a:r>
+              <a:rPr lang="en-US" sz="1800" dirty="0"/>
+              <a:t>;</a:t>
+            </a:r>
+          </a:p>
+          <a:p>
+            <a:pPr marL="477981" indent="-477981">
+              <a:lnSpc>
+                <a:spcPct val="80000"/>
+              </a:lnSpc>
+              <a:spcBef>
+                <a:spcPts val="1100"/>
+              </a:spcBef>
+              <a:buSzPct val="100000"/>
+              <a:buFont typeface="+mj-lt"/>
+              <a:buAutoNum type="arabicPeriod"/>
+              <a:defRPr sz="4600">
+                <a:solidFill>
+                  <a:srgbClr val="000000"/>
+                </a:solidFill>
+              </a:defRPr>
+            </a:pPr>
+            <a:endParaRPr lang="en-US" sz="1800" dirty="0"/>
+          </a:p>
+          <a:p>
+            <a:pPr marL="477981" indent="-477981">
+              <a:lnSpc>
+                <a:spcPct val="80000"/>
+              </a:lnSpc>
+              <a:spcBef>
+                <a:spcPts val="1100"/>
+              </a:spcBef>
+              <a:buSzPct val="100000"/>
+              <a:buFont typeface="+mj-lt"/>
+              <a:buAutoNum type="arabicPeriod"/>
+              <a:defRPr sz="4600">
+                <a:solidFill>
+                  <a:srgbClr val="000000"/>
+                </a:solidFill>
+              </a:defRPr>
+            </a:pPr>
+            <a:r>
+              <a:rPr lang="en-US" sz="1800" dirty="0"/>
               <a:t>Just need to give some directions to the </a:t>
             </a:r>
             <a:r>
-              <a:rPr lang="en-US" sz="2400" dirty="0" err="1"/>
+              <a:rPr lang="en-US" sz="1800" b="1" dirty="0" err="1">
+                <a:solidFill>
+                  <a:schemeClr val="accent3">
+                    <a:lumMod val="75000"/>
+                  </a:schemeClr>
+                </a:solidFill>
+              </a:rPr>
               <a:t>AutonomousCar</a:t>
             </a:r>
             <a:r>
-              <a:rPr lang="en-US" sz="2400" dirty="0"/>
-              <a:t> object</a:t>
+              <a:rPr lang="en-US" sz="1800" dirty="0"/>
+              <a:t> object.</a:t>
             </a:r>
           </a:p>
         </p:txBody>
@@ -5872,7 +5802,7 @@
           <a:lstStyle/>
           <a:p>
             <a:r>
-              <a:rPr lang="en-US" dirty="0"/>
+              <a:rPr lang="en-US" sz="3200" dirty="0"/>
               <a:t>Example 2</a:t>
             </a:r>
           </a:p>
@@ -6074,8 +6004,8 @@
                 <a:spcPts val="1100"/>
               </a:spcBef>
               <a:buSzPct val="100000"/>
-              <a:buFont typeface="Arial"/>
-              <a:buChar char="•"/>
+              <a:buFont typeface="+mj-lt"/>
+              <a:buAutoNum type="arabicPeriod"/>
               <a:defRPr sz="4600">
                 <a:solidFill>
                   <a:srgbClr val="000000"/>
@@ -6083,12 +6013,18 @@
               </a:defRPr>
             </a:pPr>
             <a:r>
-              <a:rPr lang="en-US" sz="2400" dirty="0" err="1"/>
+              <a:rPr lang="en-US" sz="2400" b="1" dirty="0" err="1">
+                <a:solidFill>
+                  <a:schemeClr val="accent3">
+                    <a:lumMod val="75000"/>
+                  </a:schemeClr>
+                </a:solidFill>
+              </a:rPr>
               <a:t>IoTController</a:t>
             </a:r>
             <a:r>
               <a:rPr lang="en-US" sz="2400" dirty="0"/>
-              <a:t> unlocks doors when someone has arrived to the house</a:t>
+              <a:t> unlocks doors when someone has arrived to the house;</a:t>
             </a:r>
           </a:p>
           <a:p>
@@ -6100,18 +6036,15 @@
                 <a:spcPts val="1100"/>
               </a:spcBef>
               <a:buSzPct val="100000"/>
-              <a:buFont typeface="Arial"/>
-              <a:buChar char="•"/>
+              <a:buFont typeface="+mj-lt"/>
+              <a:buAutoNum type="arabicPeriod"/>
               <a:defRPr sz="4600">
                 <a:solidFill>
                   <a:srgbClr val="000000"/>
                 </a:solidFill>
               </a:defRPr>
             </a:pPr>
-            <a:r>
-              <a:rPr lang="en-US" sz="2400" dirty="0"/>
-              <a:t>Cannot actually go to different locations</a:t>
-            </a:r>
+            <a:endParaRPr lang="en-US" sz="2400" dirty="0"/>
           </a:p>
           <a:p>
             <a:pPr marL="477981" indent="-477981">
@@ -6122,8 +6055,8 @@
                 <a:spcPts val="1100"/>
               </a:spcBef>
               <a:buSzPct val="100000"/>
-              <a:buFont typeface="Arial"/>
-              <a:buChar char="•"/>
+              <a:buFont typeface="+mj-lt"/>
+              <a:buAutoNum type="arabicPeriod"/>
               <a:defRPr sz="4600">
                 <a:solidFill>
                   <a:srgbClr val="000000"/>
@@ -6131,8 +6064,59 @@
               </a:defRPr>
             </a:pPr>
             <a:r>
+              <a:rPr lang="en-US" sz="2400" b="1" dirty="0">
+                <a:solidFill>
+                  <a:schemeClr val="accent1">
+                    <a:lumMod val="75000"/>
+                  </a:schemeClr>
+                </a:solidFill>
+              </a:rPr>
+              <a:t>Cannot actually go </a:t>
+            </a:r>
+            <a:r>
               <a:rPr lang="en-US" sz="2400" dirty="0"/>
-              <a:t>Just need geolocation information to test algorithm</a:t>
+              <a:t>to different locations;</a:t>
+            </a:r>
+          </a:p>
+          <a:p>
+            <a:pPr marL="477981" indent="-477981">
+              <a:lnSpc>
+                <a:spcPct val="80000"/>
+              </a:lnSpc>
+              <a:spcBef>
+                <a:spcPts val="1100"/>
+              </a:spcBef>
+              <a:buSzPct val="100000"/>
+              <a:buFont typeface="+mj-lt"/>
+              <a:buAutoNum type="arabicPeriod"/>
+              <a:defRPr sz="4600">
+                <a:solidFill>
+                  <a:srgbClr val="000000"/>
+                </a:solidFill>
+              </a:defRPr>
+            </a:pPr>
+            <a:endParaRPr lang="en-US" sz="2400" dirty="0"/>
+          </a:p>
+          <a:p>
+            <a:pPr marL="477981" indent="-477981">
+              <a:lnSpc>
+                <a:spcPct val="80000"/>
+              </a:lnSpc>
+              <a:spcBef>
+                <a:spcPts val="1100"/>
+              </a:spcBef>
+              <a:buSzPct val="100000"/>
+              <a:buFont typeface="+mj-lt"/>
+              <a:buAutoNum type="arabicPeriod"/>
+              <a:defRPr sz="4600">
+                <a:solidFill>
+                  <a:srgbClr val="000000"/>
+                </a:solidFill>
+              </a:defRPr>
+            </a:pPr>
+            <a:r>
+              <a:rPr lang="en-US" sz="2400" dirty="0"/>
+              <a:t>Just need geolocation information to test algorithm.</a:t>
             </a:r>
           </a:p>
         </p:txBody>
@@ -6189,9 +6173,10 @@
           <a:lstStyle/>
           <a:p>
             <a:r>
-              <a:rPr lang="en-US" dirty="0"/>
+              <a:rPr lang="en-US" sz="3200" dirty="0"/>
               <a:t>Terminology</a:t>
             </a:r>
+            <a:endParaRPr lang="en-US" dirty="0"/>
           </a:p>
         </p:txBody>
       </p:sp>
@@ -6581,7 +6566,7 @@
           <a:lstStyle/>
           <a:p>
             <a:r>
-              <a:rPr lang="en-US" dirty="0"/>
+              <a:rPr lang="en-US" sz="3200" dirty="0"/>
               <a:t>Fake Objects</a:t>
             </a:r>
           </a:p>
@@ -6604,7 +6589,7 @@
         <p:spPr>
           <a:xfrm>
             <a:off x="273010" y="1282547"/>
-            <a:ext cx="8413790" cy="3499003"/>
+            <a:ext cx="8642390" cy="3499003"/>
           </a:xfrm>
           <a:prstGeom prst="rect">
             <a:avLst/>
@@ -6775,6 +6760,26 @@
             </a:lvl9pPr>
           </a:lstStyle>
           <a:p>
+            <a:pPr marL="0" indent="0">
+              <a:lnSpc>
+                <a:spcPct val="80000"/>
+              </a:lnSpc>
+              <a:spcBef>
+                <a:spcPts val="1100"/>
+              </a:spcBef>
+              <a:buSzPct val="100000"/>
+              <a:defRPr sz="4600">
+                <a:solidFill>
+                  <a:srgbClr val="000000"/>
+                </a:solidFill>
+              </a:defRPr>
+            </a:pPr>
+            <a:r>
+              <a:rPr lang="en-US" sz="2400" dirty="0"/>
+              <a:t>Optimized and stripped-down working implementations of some functionality;</a:t>
+            </a:r>
+          </a:p>
+          <a:p>
             <a:pPr marL="477981" indent="-477981">
               <a:lnSpc>
                 <a:spcPct val="80000"/>
@@ -6791,13 +6796,10 @@
                 </a:solidFill>
               </a:defRPr>
             </a:pPr>
-            <a:r>
-              <a:rPr lang="en-US" sz="2400" dirty="0"/>
-              <a:t>Optimized and stripped-down working implementations of some functionality</a:t>
-            </a:r>
-          </a:p>
-          <a:p>
-            <a:pPr marL="477981" indent="-477981">
+            <a:endParaRPr lang="en-US" sz="2400" dirty="0"/>
+          </a:p>
+          <a:p>
+            <a:pPr marL="0" indent="0">
               <a:lnSpc>
                 <a:spcPct val="80000"/>
               </a:lnSpc>
@@ -6805,18 +6807,25 @@
                 <a:spcPts val="1100"/>
               </a:spcBef>
               <a:buSzPct val="100000"/>
-              <a:buFont typeface="Arial"/>
-              <a:buChar char="•"/>
               <a:defRPr sz="4600">
                 <a:solidFill>
                   <a:srgbClr val="000000"/>
                 </a:solidFill>
               </a:defRPr>
             </a:pPr>
-            <a:endParaRPr lang="en-US" sz="2400" dirty="0"/>
-          </a:p>
-          <a:p>
-            <a:pPr marL="477981" indent="-477981">
+            <a:r>
+              <a:rPr lang="en-US" sz="2400" b="1" dirty="0">
+                <a:solidFill>
+                  <a:schemeClr val="accent3">
+                    <a:lumMod val="75000"/>
+                  </a:schemeClr>
+                </a:solidFill>
+              </a:rPr>
+              <a:t>+ Less overhead</a:t>
+            </a:r>
+          </a:p>
+          <a:p>
+            <a:pPr marL="0" indent="0">
               <a:lnSpc>
                 <a:spcPct val="80000"/>
               </a:lnSpc>
@@ -6824,8 +6833,6 @@
                 <a:spcPts val="1100"/>
               </a:spcBef>
               <a:buSzPct val="100000"/>
-              <a:buFont typeface="Arial"/>
-              <a:buChar char="•"/>
               <a:defRPr sz="4600">
                 <a:solidFill>
                   <a:srgbClr val="000000"/>
@@ -6833,49 +6840,12 @@
               </a:defRPr>
             </a:pPr>
             <a:r>
-              <a:rPr lang="en-US" sz="2400" dirty="0"/>
-              <a:t>Less overhead</a:t>
-            </a:r>
-          </a:p>
-          <a:p>
-            <a:pPr marL="477981" indent="-477981">
-              <a:lnSpc>
-                <a:spcPct val="80000"/>
-              </a:lnSpc>
-              <a:spcBef>
-                <a:spcPts val="1100"/>
-              </a:spcBef>
-              <a:buSzPct val="100000"/>
-              <a:buFont typeface="Arial"/>
-              <a:buChar char="•"/>
-              <a:defRPr sz="4600">
-                <a:solidFill>
-                  <a:srgbClr val="000000"/>
-                </a:solidFill>
-              </a:defRPr>
-            </a:pPr>
-            <a:endParaRPr lang="en-US" sz="2400" dirty="0"/>
-          </a:p>
-          <a:p>
-            <a:pPr marL="477981" indent="-477981">
-              <a:lnSpc>
-                <a:spcPct val="80000"/>
-              </a:lnSpc>
-              <a:spcBef>
-                <a:spcPts val="1100"/>
-              </a:spcBef>
-              <a:buSzPct val="100000"/>
-              <a:buFont typeface="Arial"/>
-              <a:buChar char="•"/>
-              <a:defRPr sz="4600">
-                <a:solidFill>
-                  <a:srgbClr val="000000"/>
-                </a:solidFill>
-              </a:defRPr>
-            </a:pPr>
-            <a:r>
-              <a:rPr lang="en-US" sz="2400" dirty="0"/>
-              <a:t>Not production ready</a:t>
+              <a:rPr lang="en-US" sz="2400" b="1" dirty="0">
+                <a:solidFill>
+                  <a:schemeClr val="accent1"/>
+                </a:solidFill>
+              </a:rPr>
+              <a:t>-  Not production ready</a:t>
             </a:r>
           </a:p>
         </p:txBody>
@@ -6933,17 +6903,22 @@
           <a:p>
             <a:r>
               <a:rPr lang="en-US" dirty="0"/>
-              <a:t>Fake Example</a:t>
-            </a:r>
+              <a:t>Fake </a:t>
+            </a:r>
+            <a:r>
+              <a:rPr lang="en-US" sz="3200" dirty="0"/>
+              <a:t>Example</a:t>
+            </a:r>
+            <a:endParaRPr lang="en-US" dirty="0"/>
           </a:p>
         </p:txBody>
       </p:sp>
       <p:pic>
         <p:nvPicPr>
-          <p:cNvPr id="4" name="Screen Shot 2019-02-18 at 8.17.49 AM.png" descr="Screen Shot 2019-02-18 at 8.17.49 AM.png">
+          <p:cNvPr id="5" name="Picture 4">
             <a:extLst>
               <a:ext uri="{FF2B5EF4-FFF2-40B4-BE49-F238E27FC236}">
-                <a16:creationId xmlns:a16="http://schemas.microsoft.com/office/drawing/2014/main" id="{DBA48F86-60BC-BD1D-3067-502E698CFDD0}"/>
+                <a16:creationId xmlns:a16="http://schemas.microsoft.com/office/drawing/2014/main" id="{3BEB7B34-5373-3C4E-AFC5-C712464B5BD1}"/>
               </a:ext>
             </a:extLst>
           </p:cNvPr>
@@ -6960,15 +6935,19 @@
         </p:blipFill>
         <p:spPr>
           <a:xfrm>
-            <a:off x="457200" y="971550"/>
-            <a:ext cx="7391401" cy="3663471"/>
+            <a:off x="1524000" y="944748"/>
+            <a:ext cx="5369970" cy="3817752"/>
           </a:xfrm>
           <a:prstGeom prst="rect">
             <a:avLst/>
           </a:prstGeom>
-          <a:ln w="12700">
-            <a:miter lim="400000"/>
-          </a:ln>
+          <a:effectLst>
+            <a:outerShdw blurRad="50800" dist="38100" dir="2700000" algn="tl" rotWithShape="0">
+              <a:prstClr val="black">
+                <a:alpha val="40000"/>
+              </a:prstClr>
+            </a:outerShdw>
+          </a:effectLst>
         </p:spPr>
       </p:pic>
     </p:spTree>
@@ -7023,7 +7002,7 @@
           <a:lstStyle/>
           <a:p>
             <a:r>
-              <a:rPr lang="en-US" dirty="0"/>
+              <a:rPr lang="en-US" sz="3200" dirty="0"/>
               <a:t>Stub Objects</a:t>
             </a:r>
           </a:p>
@@ -7044,7 +7023,7 @@
         <p:spPr>
           <a:xfrm>
             <a:off x="457200" y="1244816"/>
-            <a:ext cx="5934074" cy="3216714"/>
+            <a:ext cx="7924800" cy="2386679"/>
           </a:xfrm>
           <a:prstGeom prst="rect">
             <a:avLst/>
@@ -7057,7 +7036,7 @@
           </a:bodyPr>
           <a:lstStyle/>
           <a:p>
-            <a:pPr marL="477981" indent="-477981">
+            <a:pPr>
               <a:lnSpc>
                 <a:spcPct val="80000"/>
               </a:lnSpc>
@@ -7065,16 +7044,56 @@
                 <a:spcPts val="1100"/>
               </a:spcBef>
               <a:buSzPct val="100000"/>
-              <a:buFont typeface="Arial"/>
-              <a:buChar char="•"/>
               <a:defRPr sz="4600">
                 <a:solidFill>
                   <a:srgbClr val="000000"/>
                 </a:solidFill>
               </a:defRPr>
             </a:pPr>
-            <a:r>
-              <a:rPr lang="en-US" dirty="0">
+            <a:endParaRPr lang="en-US" sz="2800" dirty="0">
+              <a:latin typeface="Open Sans" panose="020B0606030504020204" pitchFamily="34" charset="0"/>
+              <a:ea typeface="Open Sans" panose="020B0606030504020204" pitchFamily="34" charset="0"/>
+              <a:cs typeface="Open Sans" panose="020B0606030504020204" pitchFamily="34" charset="0"/>
+            </a:endParaRPr>
+          </a:p>
+          <a:p>
+            <a:pPr>
+              <a:lnSpc>
+                <a:spcPct val="80000"/>
+              </a:lnSpc>
+              <a:spcBef>
+                <a:spcPts val="1100"/>
+              </a:spcBef>
+              <a:buSzPct val="100000"/>
+              <a:defRPr sz="4600">
+                <a:solidFill>
+                  <a:srgbClr val="000000"/>
+                </a:solidFill>
+              </a:defRPr>
+            </a:pPr>
+            <a:endParaRPr lang="en-US" sz="2800" dirty="0">
+              <a:latin typeface="Open Sans" panose="020B0606030504020204" pitchFamily="34" charset="0"/>
+              <a:ea typeface="Open Sans" panose="020B0606030504020204" pitchFamily="34" charset="0"/>
+              <a:cs typeface="Open Sans" panose="020B0606030504020204" pitchFamily="34" charset="0"/>
+            </a:endParaRPr>
+          </a:p>
+          <a:p>
+            <a:pPr>
+              <a:lnSpc>
+                <a:spcPct val="80000"/>
+              </a:lnSpc>
+              <a:spcBef>
+                <a:spcPts val="1100"/>
+              </a:spcBef>
+              <a:buSzPct val="100000"/>
+              <a:defRPr sz="4600">
+                <a:solidFill>
+                  <a:srgbClr val="000000"/>
+                </a:solidFill>
+              </a:defRPr>
+            </a:pPr>
+            <a:r>
+              <a:rPr lang="en-US" sz="2800" dirty="0">
                 <a:latin typeface="Open Sans" panose="020B0606030504020204" pitchFamily="34" charset="0"/>
                 <a:ea typeface="Open Sans" panose="020B0606030504020204" pitchFamily="34" charset="0"/>
                 <a:cs typeface="Open Sans" panose="020B0606030504020204" pitchFamily="34" charset="0"/>
@@ -7099,14 +7118,14 @@
                 </a:solidFill>
               </a:defRPr>
             </a:pPr>
-            <a:endParaRPr lang="en-US" dirty="0">
+            <a:endParaRPr lang="en-US" sz="2800" dirty="0">
               <a:latin typeface="Open Sans" panose="020B0606030504020204" pitchFamily="34" charset="0"/>
               <a:ea typeface="Open Sans" panose="020B0606030504020204" pitchFamily="34" charset="0"/>
               <a:cs typeface="Open Sans" panose="020B0606030504020204" pitchFamily="34" charset="0"/>
             </a:endParaRPr>
           </a:p>
           <a:p>
-            <a:pPr marL="477981" indent="-477981">
+            <a:pPr>
               <a:lnSpc>
                 <a:spcPct val="80000"/>
               </a:lnSpc>
@@ -7114,8 +7133,6 @@
                 <a:spcPts val="1100"/>
               </a:spcBef>
               <a:buSzPct val="100000"/>
-              <a:buFont typeface="Arial"/>
-              <a:buChar char="•"/>
               <a:defRPr sz="4600">
                 <a:solidFill>
                   <a:srgbClr val="000000"/>
@@ -7123,7 +7140,7 @@
               </a:defRPr>
             </a:pPr>
             <a:r>
-              <a:rPr lang="en-US" dirty="0">
+              <a:rPr lang="en-US" sz="2800" dirty="0">
                 <a:latin typeface="Open Sans" panose="020B0606030504020204" pitchFamily="34" charset="0"/>
                 <a:ea typeface="Open Sans" panose="020B0606030504020204" pitchFamily="34" charset="0"/>
                 <a:cs typeface="Open Sans" panose="020B0606030504020204" pitchFamily="34" charset="0"/>
@@ -7186,17 +7203,22 @@
           <a:p>
             <a:r>
               <a:rPr lang="en-US" dirty="0"/>
-              <a:t>Stub Objects</a:t>
-            </a:r>
+              <a:t>Stub </a:t>
+            </a:r>
+            <a:r>
+              <a:rPr lang="en-US" sz="3200" dirty="0"/>
+              <a:t>Objects</a:t>
+            </a:r>
+            <a:endParaRPr lang="en-US" dirty="0"/>
           </a:p>
         </p:txBody>
       </p:sp>
       <p:pic>
         <p:nvPicPr>
-          <p:cNvPr id="3" name="Screen Shot 2019-02-18 at 8.20.13 AM.png" descr="Screen Shot 2019-02-18 at 8.20.13 AM.png">
+          <p:cNvPr id="5" name="Picture 4">
             <a:extLst>
               <a:ext uri="{FF2B5EF4-FFF2-40B4-BE49-F238E27FC236}">
-                <a16:creationId xmlns:a16="http://schemas.microsoft.com/office/drawing/2014/main" id="{9BE615F8-862B-7211-0EE6-5EE12D180E62}"/>
+                <a16:creationId xmlns:a16="http://schemas.microsoft.com/office/drawing/2014/main" id="{279AFA70-9DE1-DFB6-E794-9B6B826B11E4}"/>
               </a:ext>
             </a:extLst>
           </p:cNvPr>
@@ -7213,15 +7235,19 @@
         </p:blipFill>
         <p:spPr>
           <a:xfrm>
-            <a:off x="457200" y="1400958"/>
-            <a:ext cx="7391400" cy="2314196"/>
+            <a:off x="685800" y="1110749"/>
+            <a:ext cx="6934200" cy="3323775"/>
           </a:xfrm>
           <a:prstGeom prst="rect">
             <a:avLst/>
           </a:prstGeom>
-          <a:ln w="12700">
-            <a:miter lim="400000"/>
-          </a:ln>
+          <a:effectLst>
+            <a:outerShdw blurRad="50800" dist="38100" dir="2700000" algn="tl" rotWithShape="0">
+              <a:prstClr val="black">
+                <a:alpha val="40000"/>
+              </a:prstClr>
+            </a:outerShdw>
+          </a:effectLst>
         </p:spPr>
       </p:pic>
     </p:spTree>

--- a/resources/17623-recitation2.pptx
+++ b/resources/17623-recitation2.pptx
@@ -5,10 +5,10 @@
     <p:sldMasterId id="2147483810" r:id="rId1"/>
   </p:sldMasterIdLst>
   <p:notesMasterIdLst>
-    <p:notesMasterId r:id="rId18"/>
+    <p:notesMasterId r:id="rId19"/>
   </p:notesMasterIdLst>
   <p:handoutMasterIdLst>
-    <p:handoutMasterId r:id="rId19"/>
+    <p:handoutMasterId r:id="rId20"/>
   </p:handoutMasterIdLst>
   <p:sldIdLst>
     <p:sldId id="260" r:id="rId2"/>
@@ -27,6 +27,7 @@
     <p:sldId id="275" r:id="rId15"/>
     <p:sldId id="276" r:id="rId16"/>
     <p:sldId id="277" r:id="rId17"/>
+    <p:sldId id="278" r:id="rId18"/>
   </p:sldIdLst>
   <p:sldSz cx="9144000" cy="5143500" type="screen16x9"/>
   <p:notesSz cx="6858000" cy="9144000"/>
@@ -527,7 +528,7 @@
               </a14:hiddenFill>
             </a:ext>
             <a:ext uri="{FAA26D3D-D897-4be2-8F04-BA451C77F1D7}">
-              <ma14:placeholderFlag xmlns:ma14="http://schemas.microsoft.com/office/mac/drawingml/2011/main" xmlns="" val="1"/>
+              <ma14:placeholderFlag xmlns="" xmlns:ma14="http://schemas.microsoft.com/office/mac/drawingml/2011/main" val="1"/>
             </a:ext>
           </a:extLst>
         </p:spPr>
@@ -2419,7 +2420,7 @@
               </a14:hiddenLine>
             </a:ext>
             <a:ext uri="{FAA26D3D-D897-4be2-8F04-BA451C77F1D7}">
-              <ma14:placeholderFlag xmlns:ma14="http://schemas.microsoft.com/office/mac/drawingml/2011/main" xmlns="" val="1"/>
+              <ma14:placeholderFlag xmlns="" xmlns:ma14="http://schemas.microsoft.com/office/mac/drawingml/2011/main" val="1"/>
             </a:ext>
           </a:extLst>
         </p:spPr>
@@ -2480,7 +2481,7 @@
               </a14:hiddenLine>
             </a:ext>
             <a:ext uri="{FAA26D3D-D897-4be2-8F04-BA451C77F1D7}">
-              <ma14:placeholderFlag xmlns:ma14="http://schemas.microsoft.com/office/mac/drawingml/2011/main" xmlns="" val="1"/>
+              <ma14:placeholderFlag xmlns="" xmlns:ma14="http://schemas.microsoft.com/office/mac/drawingml/2011/main" val="1"/>
             </a:ext>
           </a:extLst>
         </p:spPr>
@@ -4906,6 +4907,122 @@
     <p:extLst>
       <p:ext uri="{BB962C8B-B14F-4D97-AF65-F5344CB8AC3E}">
         <p14:creationId xmlns:p14="http://schemas.microsoft.com/office/powerpoint/2010/main" val="3051477362"/>
+      </p:ext>
+    </p:extLst>
+  </p:cSld>
+  <p:clrMapOvr>
+    <a:masterClrMapping/>
+  </p:clrMapOvr>
+</p:sld>
+</file>
+
+<file path=ppt/slides/slide17.xml><?xml version="1.0" encoding="utf-8"?>
+<p:sld xmlns:a="http://schemas.openxmlformats.org/drawingml/2006/main" xmlns:r="http://schemas.openxmlformats.org/officeDocument/2006/relationships" xmlns:p="http://schemas.openxmlformats.org/presentationml/2006/main">
+  <p:cSld>
+    <p:spTree>
+      <p:nvGrpSpPr>
+        <p:cNvPr id="1" name=""/>
+        <p:cNvGrpSpPr/>
+        <p:nvPr/>
+      </p:nvGrpSpPr>
+      <p:grpSpPr>
+        <a:xfrm>
+          <a:off x="0" y="0"/>
+          <a:ext cx="0" cy="0"/>
+          <a:chOff x="0" y="0"/>
+          <a:chExt cx="0" cy="0"/>
+        </a:xfrm>
+      </p:grpSpPr>
+      <p:pic>
+        <p:nvPicPr>
+          <p:cNvPr id="8" name="Picture 7" descr="A screenshot of a computer&#10;&#10;Description automatically generated">
+            <a:extLst>
+              <a:ext uri="{FF2B5EF4-FFF2-40B4-BE49-F238E27FC236}">
+                <a16:creationId xmlns:a16="http://schemas.microsoft.com/office/drawing/2014/main" id="{37ADA37C-9C96-3794-74C5-6E311849063A}"/>
+              </a:ext>
+            </a:extLst>
+          </p:cNvPr>
+          <p:cNvPicPr>
+            <a:picLocks noChangeAspect="1"/>
+          </p:cNvPicPr>
+          <p:nvPr/>
+        </p:nvPicPr>
+        <p:blipFill>
+          <a:blip r:embed="rId2"/>
+          <a:stretch>
+            <a:fillRect/>
+          </a:stretch>
+        </p:blipFill>
+        <p:spPr>
+          <a:xfrm>
+            <a:off x="1244528" y="644205"/>
+            <a:ext cx="6654941" cy="3855090"/>
+          </a:xfrm>
+          <a:prstGeom prst="rect">
+            <a:avLst/>
+          </a:prstGeom>
+          <a:effectLst>
+            <a:outerShdw blurRad="50800" dist="38100" dir="2700000" algn="tl" rotWithShape="0">
+              <a:prstClr val="black">
+                <a:alpha val="40000"/>
+              </a:prstClr>
+            </a:outerShdw>
+          </a:effectLst>
+        </p:spPr>
+      </p:pic>
+      <p:sp>
+        <p:nvSpPr>
+          <p:cNvPr id="10" name="TextBox 9">
+            <a:extLst>
+              <a:ext uri="{FF2B5EF4-FFF2-40B4-BE49-F238E27FC236}">
+                <a16:creationId xmlns:a16="http://schemas.microsoft.com/office/drawing/2014/main" id="{89BCAE48-35AA-C774-340E-03B4BCFA0697}"/>
+              </a:ext>
+            </a:extLst>
+          </p:cNvPr>
+          <p:cNvSpPr txBox="1"/>
+          <p:nvPr/>
+        </p:nvSpPr>
+        <p:spPr>
+          <a:xfrm>
+            <a:off x="0" y="57150"/>
+            <a:ext cx="9143999" cy="400110"/>
+          </a:xfrm>
+          <a:prstGeom prst="rect">
+            <a:avLst/>
+          </a:prstGeom>
+          <a:noFill/>
+        </p:spPr>
+        <p:txBody>
+          <a:bodyPr wrap="square">
+            <a:spAutoFit/>
+          </a:bodyPr>
+          <a:lstStyle/>
+          <a:p>
+            <a:pPr algn="ctr"/>
+            <a:r>
+              <a:rPr lang="en-US" sz="2000" b="1" dirty="0">
+                <a:latin typeface="Open Sans" panose="020B0606030504020204" pitchFamily="34" charset="0"/>
+                <a:ea typeface="Open Sans" panose="020B0606030504020204" pitchFamily="34" charset="0"/>
+                <a:cs typeface="Open Sans" panose="020B0606030504020204" pitchFamily="34" charset="0"/>
+                <a:hlinkClick r:id="rId3"/>
+              </a:rPr>
+              <a:t>https://github.com/MSE-QualityAssurance/recitation-2-f23</a:t>
+            </a:r>
+            <a:r>
+              <a:rPr lang="en-US" sz="2000" b="1" dirty="0">
+                <a:latin typeface="Open Sans" panose="020B0606030504020204" pitchFamily="34" charset="0"/>
+                <a:ea typeface="Open Sans" panose="020B0606030504020204" pitchFamily="34" charset="0"/>
+                <a:cs typeface="Open Sans" panose="020B0606030504020204" pitchFamily="34" charset="0"/>
+              </a:rPr>
+              <a:t> </a:t>
+            </a:r>
+          </a:p>
+        </p:txBody>
+      </p:sp>
+    </p:spTree>
+    <p:extLst>
+      <p:ext uri="{BB962C8B-B14F-4D97-AF65-F5344CB8AC3E}">
+        <p14:creationId xmlns:p14="http://schemas.microsoft.com/office/powerpoint/2010/main" val="457097567"/>
       </p:ext>
     </p:extLst>
   </p:cSld>
